--- a/Slides/MissionMars/5 - Deploying M.A.X.pptx
+++ b/Slides/MissionMars/5 - Deploying M.A.X.pptx
@@ -287,7 +287,7 @@
               <a:pPr>
                 <a:defRPr/>
               </a:pPr>
-              <a:t>6/21/2017</a:t>
+              <a:t>9/23/2017</a:t>
             </a:fld>
             <a:endParaRPr lang="en-US"/>
           </a:p>
@@ -497,7 +497,7 @@
               <a:pPr>
                 <a:defRPr/>
               </a:pPr>
-              <a:t>6/21/2017</a:t>
+              <a:t>9/23/2017</a:t>
             </a:fld>
             <a:endParaRPr lang="en-US"/>
           </a:p>
@@ -1994,7 +1994,7 @@
               <a:pPr>
                 <a:defRPr/>
               </a:pPr>
-              <a:t>6/21/2017</a:t>
+              <a:t>9/23/2017</a:t>
             </a:fld>
             <a:endParaRPr lang="en-US"/>
           </a:p>
@@ -2218,7 +2218,7 @@
               <a:pPr>
                 <a:defRPr/>
               </a:pPr>
-              <a:t>6/21/2017</a:t>
+              <a:t>9/23/2017</a:t>
             </a:fld>
             <a:endParaRPr lang="en-US"/>
           </a:p>
@@ -14208,7 +14208,7 @@
               <a:pPr>
                 <a:defRPr/>
               </a:pPr>
-              <a:t>6/21/2017</a:t>
+              <a:t>9/23/2017</a:t>
             </a:fld>
             <a:endParaRPr lang="en-US"/>
           </a:p>
@@ -16112,7 +16112,7 @@
               <a:pPr>
                 <a:defRPr/>
               </a:pPr>
-              <a:t>6/21/2017</a:t>
+              <a:t>9/23/2017</a:t>
             </a:fld>
             <a:endParaRPr lang="en-US"/>
           </a:p>
@@ -17873,7 +17873,7 @@
               <a:pPr>
                 <a:defRPr/>
               </a:pPr>
-              <a:t>6/21/2017</a:t>
+              <a:t>9/23/2017</a:t>
             </a:fld>
             <a:endParaRPr lang="en-US"/>
           </a:p>
@@ -18915,7 +18915,7 @@
               <a:pPr>
                 <a:defRPr/>
               </a:pPr>
-              <a:t>6/21/2017</a:t>
+              <a:t>9/23/2017</a:t>
             </a:fld>
             <a:endParaRPr lang="en-US"/>
           </a:p>
@@ -19242,7 +19242,7 @@
               <a:pPr>
                 <a:defRPr/>
               </a:pPr>
-              <a:t>6/21/2017</a:t>
+              <a:t>9/23/2017</a:t>
             </a:fld>
             <a:endParaRPr lang="en-US"/>
           </a:p>
@@ -20430,7 +20430,7 @@
               <a:pPr>
                 <a:defRPr/>
               </a:pPr>
-              <a:t>6/21/2017</a:t>
+              <a:t>9/23/2017</a:t>
             </a:fld>
             <a:endParaRPr lang="en-US"/>
           </a:p>
@@ -21635,7 +21635,7 @@
               <a:pPr>
                 <a:defRPr/>
               </a:pPr>
-              <a:t>6/21/2017</a:t>
+              <a:t>9/23/2017</a:t>
             </a:fld>
             <a:endParaRPr lang="en-US"/>
           </a:p>
@@ -21793,7 +21793,7 @@
               </a14:hiddenLine>
             </a:ext>
             <a:ext uri="{FAA26D3D-D897-4be2-8F04-BA451C77F1D7}">
-              <ma14:placeholderFlag xmlns="" xmlns:ma14="http://schemas.microsoft.com/office/mac/drawingml/2011/main" val="1"/>
+              <ma14:placeholderFlag xmlns:ma14="http://schemas.microsoft.com/office/mac/drawingml/2011/main" xmlns="" val="1"/>
             </a:ext>
           </a:extLst>
         </p:spPr>
@@ -21854,7 +21854,7 @@
               </a14:hiddenLine>
             </a:ext>
             <a:ext uri="{FAA26D3D-D897-4be2-8F04-BA451C77F1D7}">
-              <ma14:placeholderFlag xmlns="" xmlns:ma14="http://schemas.microsoft.com/office/mac/drawingml/2011/main" val="1"/>
+              <ma14:placeholderFlag xmlns:ma14="http://schemas.microsoft.com/office/mac/drawingml/2011/main" xmlns="" val="1"/>
             </a:ext>
           </a:extLst>
         </p:spPr>
@@ -21952,7 +21952,7 @@
               <a:pPr>
                 <a:defRPr/>
               </a:pPr>
-              <a:t>6/21/2017</a:t>
+              <a:t>9/23/2017</a:t>
             </a:fld>
             <a:endParaRPr lang="en-US"/>
           </a:p>
@@ -23067,7 +23067,7 @@
 </file>
 
 <file path=ppt/slides/slide5.xml><?xml version="1.0" encoding="utf-8"?>
-<p:sld xmlns:a="http://schemas.openxmlformats.org/drawingml/2006/main" xmlns:r="http://schemas.openxmlformats.org/officeDocument/2006/relationships" xmlns:p="http://schemas.openxmlformats.org/presentationml/2006/main">
+<p:sld xmlns:a="http://schemas.openxmlformats.org/drawingml/2006/main" xmlns:r="http://schemas.openxmlformats.org/officeDocument/2006/relationships" xmlns:p="http://schemas.openxmlformats.org/presentationml/2006/main" show="0">
   <p:cSld>
     <p:spTree>
       <p:nvGrpSpPr>
@@ -23134,13 +23134,13 @@
   <p:clrMapOvr>
     <a:masterClrMapping/>
   </p:clrMapOvr>
-  <mc:AlternateContent xmlns:mc="http://schemas.openxmlformats.org/markup-compatibility/2006" xmlns:p14="http://schemas.microsoft.com/office/powerpoint/2010/main">
-    <mc:Choice Requires="p14">
+  <mc:AlternateContent xmlns:mc="http://schemas.openxmlformats.org/markup-compatibility/2006">
+    <mc:Choice xmlns:p14="http://schemas.microsoft.com/office/powerpoint/2010/main" Requires="p14">
       <p:transition spd="slow" p14:dur="3400">
         <p14:reveal/>
       </p:transition>
     </mc:Choice>
-    <mc:Fallback xmlns="">
+    <mc:Fallback>
       <p:transition spd="slow">
         <p:fade/>
       </p:transition>
@@ -23150,7 +23150,7 @@
 </file>
 
 <file path=ppt/slides/slide6.xml><?xml version="1.0" encoding="utf-8"?>
-<p:sld xmlns:a="http://schemas.openxmlformats.org/drawingml/2006/main" xmlns:r="http://schemas.openxmlformats.org/officeDocument/2006/relationships" xmlns:p="http://schemas.openxmlformats.org/presentationml/2006/main">
+<p:sld xmlns:a="http://schemas.openxmlformats.org/drawingml/2006/main" xmlns:r="http://schemas.openxmlformats.org/officeDocument/2006/relationships" xmlns:p="http://schemas.openxmlformats.org/presentationml/2006/main" show="0">
   <p:cSld>
     <p:spTree>
       <p:nvGrpSpPr>
@@ -23217,13 +23217,13 @@
   <p:clrMapOvr>
     <a:masterClrMapping/>
   </p:clrMapOvr>
-  <mc:AlternateContent xmlns:mc="http://schemas.openxmlformats.org/markup-compatibility/2006" xmlns:p14="http://schemas.microsoft.com/office/powerpoint/2010/main">
-    <mc:Choice Requires="p14">
+  <mc:AlternateContent xmlns:mc="http://schemas.openxmlformats.org/markup-compatibility/2006">
+    <mc:Choice xmlns:p14="http://schemas.microsoft.com/office/powerpoint/2010/main" Requires="p14">
       <p:transition spd="slow" p14:dur="3400">
         <p14:reveal/>
       </p:transition>
     </mc:Choice>
-    <mc:Fallback xmlns="">
+    <mc:Fallback>
       <p:transition spd="slow">
         <p:fade/>
       </p:transition>
@@ -23233,7 +23233,7 @@
 </file>
 
 <file path=ppt/slides/slide7.xml><?xml version="1.0" encoding="utf-8"?>
-<p:sld xmlns:a="http://schemas.openxmlformats.org/drawingml/2006/main" xmlns:r="http://schemas.openxmlformats.org/officeDocument/2006/relationships" xmlns:p="http://schemas.openxmlformats.org/presentationml/2006/main">
+<p:sld xmlns:a="http://schemas.openxmlformats.org/drawingml/2006/main" xmlns:r="http://schemas.openxmlformats.org/officeDocument/2006/relationships" xmlns:p="http://schemas.openxmlformats.org/presentationml/2006/main" show="0">
   <p:cSld>
     <p:spTree>
       <p:nvGrpSpPr>
@@ -23281,13 +23281,13 @@
   <p:clrMapOvr>
     <a:masterClrMapping/>
   </p:clrMapOvr>
-  <mc:AlternateContent xmlns:mc="http://schemas.openxmlformats.org/markup-compatibility/2006" xmlns:p14="http://schemas.microsoft.com/office/powerpoint/2010/main">
-    <mc:Choice Requires="p14">
+  <mc:AlternateContent xmlns:mc="http://schemas.openxmlformats.org/markup-compatibility/2006">
+    <mc:Choice xmlns:p14="http://schemas.microsoft.com/office/powerpoint/2010/main" Requires="p14">
       <p:transition spd="slow" p14:dur="3400">
         <p14:reveal/>
       </p:transition>
     </mc:Choice>
-    <mc:Fallback xmlns="">
+    <mc:Fallback>
       <p:transition spd="slow">
         <p:fade/>
       </p:transition>
@@ -24200,13 +24200,13 @@
 
 <file path=customXml/item1.xml><?xml version="1.0" encoding="utf-8"?>
 <Control xmlns="http://schemas.microsoft.com/VisualStudio/2011/storyboarding/control">
-  <Id Name="a2191c86-fc50-4add-948c-129f6b5a88d8" Revision="1" Stencil="7276b9ef-3953-4dce-a89b-ed85f20b8b93" StencilVersion="1.0"/>
+  <Id Name="d69996e1-3d61-4686-9b63-f1b855c596ab" Revision="1" Stencil="7276b9ef-3953-4dce-a89b-ed85f20b8b93" StencilVersion="1.0"/>
 </Control>
 </file>
 
 <file path=customXml/item2.xml><?xml version="1.0" encoding="utf-8"?>
 <Control xmlns="http://schemas.microsoft.com/VisualStudio/2011/storyboarding/control">
-  <Id Name="a2191c86-fc50-4add-948c-129f6b5a88d8" Revision="1" Stencil="7276b9ef-3953-4dce-a89b-ed85f20b8b93" StencilVersion="1.0"/>
+  <Id Name="fb22c541-ded0-47fa-8877-83a4c2d16227" Revision="1" Stencil="7276b9ef-3953-4dce-a89b-ed85f20b8b93" StencilVersion="1.0"/>
 </Control>
 </file>
 
@@ -24218,18 +24218,18 @@
 
 <file path=customXml/item4.xml><?xml version="1.0" encoding="utf-8"?>
 <Control xmlns="http://schemas.microsoft.com/VisualStudio/2011/storyboarding/control">
-  <Id Name="fb22c541-ded0-47fa-8877-83a4c2d16227" Revision="1" Stencil="7276b9ef-3953-4dce-a89b-ed85f20b8b93" StencilVersion="1.0"/>
+  <Id Name="a2191c86-fc50-4add-948c-129f6b5a88d8" Revision="1" Stencil="7276b9ef-3953-4dce-a89b-ed85f20b8b93" StencilVersion="1.0"/>
 </Control>
 </file>
 
 <file path=customXml/item5.xml><?xml version="1.0" encoding="utf-8"?>
 <Control xmlns="http://schemas.microsoft.com/VisualStudio/2011/storyboarding/control">
-  <Id Name="d69996e1-3d61-4686-9b63-f1b855c596ab" Revision="1" Stencil="7276b9ef-3953-4dce-a89b-ed85f20b8b93" StencilVersion="1.0"/>
+  <Id Name="a2191c86-fc50-4add-948c-129f6b5a88d8" Revision="1" Stencil="7276b9ef-3953-4dce-a89b-ed85f20b8b93" StencilVersion="1.0"/>
 </Control>
 </file>
 
 <file path=customXml/itemProps1.xml><?xml version="1.0" encoding="utf-8"?>
-<ds:datastoreItem xmlns:ds="http://schemas.openxmlformats.org/officeDocument/2006/customXml" ds:itemID="{D4B5F268-5930-44CD-BDF1-D0A04D4BBC1C}">
+<ds:datastoreItem xmlns:ds="http://schemas.openxmlformats.org/officeDocument/2006/customXml" ds:itemID="{C0F92A87-A216-45A9-B9C0-0515663D35BF}">
   <ds:schemaRefs>
     <ds:schemaRef ds:uri="http://schemas.microsoft.com/VisualStudio/2011/storyboarding/control"/>
   </ds:schemaRefs>
@@ -24237,7 +24237,7 @@
 </file>
 
 <file path=customXml/itemProps2.xml><?xml version="1.0" encoding="utf-8"?>
-<ds:datastoreItem xmlns:ds="http://schemas.openxmlformats.org/officeDocument/2006/customXml" ds:itemID="{0B54C583-7BAB-4080-8093-C5F84F5A225A}">
+<ds:datastoreItem xmlns:ds="http://schemas.openxmlformats.org/officeDocument/2006/customXml" ds:itemID="{B5105A87-47B6-44F6-97FD-4619C0556604}">
   <ds:schemaRefs>
     <ds:schemaRef ds:uri="http://schemas.microsoft.com/VisualStudio/2011/storyboarding/control"/>
   </ds:schemaRefs>
@@ -24253,7 +24253,7 @@
 </file>
 
 <file path=customXml/itemProps4.xml><?xml version="1.0" encoding="utf-8"?>
-<ds:datastoreItem xmlns:ds="http://schemas.openxmlformats.org/officeDocument/2006/customXml" ds:itemID="{B5105A87-47B6-44F6-97FD-4619C0556604}">
+<ds:datastoreItem xmlns:ds="http://schemas.openxmlformats.org/officeDocument/2006/customXml" ds:itemID="{0B54C583-7BAB-4080-8093-C5F84F5A225A}">
   <ds:schemaRefs>
     <ds:schemaRef ds:uri="http://schemas.microsoft.com/VisualStudio/2011/storyboarding/control"/>
   </ds:schemaRefs>
@@ -24261,7 +24261,7 @@
 </file>
 
 <file path=customXml/itemProps5.xml><?xml version="1.0" encoding="utf-8"?>
-<ds:datastoreItem xmlns:ds="http://schemas.openxmlformats.org/officeDocument/2006/customXml" ds:itemID="{C0F92A87-A216-45A9-B9C0-0515663D35BF}">
+<ds:datastoreItem xmlns:ds="http://schemas.openxmlformats.org/officeDocument/2006/customXml" ds:itemID="{D4B5F268-5930-44CD-BDF1-D0A04D4BBC1C}">
   <ds:schemaRefs>
     <ds:schemaRef ds:uri="http://schemas.microsoft.com/VisualStudio/2011/storyboarding/control"/>
   </ds:schemaRefs>
